--- a/7 Days Workshop/Day7_Final_Project_Certification.pptx
+++ b/7 Days Workshop/Day7_Final_Project_Certification.pptx
@@ -4,15 +4,14 @@
   <p:sldMasterIdLst>
     <p:sldMasterId id="2147483821" r:id="rId1"/>
   </p:sldMasterIdLst>
+  <p:notesMasterIdLst>
+    <p:notesMasterId r:id="rId6"/>
+  </p:notesMasterIdLst>
   <p:sldIdLst>
     <p:sldId id="256" r:id="rId2"/>
-    <p:sldId id="257" r:id="rId3"/>
-    <p:sldId id="258" r:id="rId4"/>
-    <p:sldId id="259" r:id="rId5"/>
-    <p:sldId id="260" r:id="rId6"/>
-    <p:sldId id="261" r:id="rId7"/>
-    <p:sldId id="262" r:id="rId8"/>
-    <p:sldId id="263" r:id="rId9"/>
+    <p:sldId id="261" r:id="rId3"/>
+    <p:sldId id="264" r:id="rId4"/>
+    <p:sldId id="263" r:id="rId5"/>
   </p:sldIdLst>
   <p:sldSz cx="12188825" cy="6858000"/>
   <p:notesSz cx="6858000" cy="9144000"/>
@@ -133,7 +132,7 @@
 <file path=ppt/revisionInfo.xml><?xml version="1.0" encoding="utf-8"?>
 <p1510:revInfo xmlns:a="http://schemas.openxmlformats.org/drawingml/2006/main" xmlns:r="http://schemas.openxmlformats.org/officeDocument/2006/relationships" xmlns:p1510="http://schemas.microsoft.com/office/powerpoint/2015/10/main">
   <p1510:revLst>
-    <p1510:client id="{507E4B7A-38BE-464C-BA0F-CAFE4A558649}" v="626" dt="2025-07-17T03:02:11.559"/>
+    <p1510:client id="{507E4B7A-38BE-464C-BA0F-CAFE4A558649}" v="637" dt="2025-07-26T19:15:22.088"/>
   </p1510:revLst>
 </p1510:revInfo>
 </file>
@@ -142,13 +141,13 @@
 <pc:chgInfo xmlns:a="http://schemas.openxmlformats.org/drawingml/2006/main" xmlns:r="http://schemas.openxmlformats.org/officeDocument/2006/relationships" xmlns:ac="http://schemas.microsoft.com/office/drawing/2013/main/command" xmlns:pc="http://schemas.microsoft.com/office/powerpoint/2013/main/command">
   <pc:docChgLst>
     <pc:chgData name="Suraj Arya" userId="116808dbeaa341df" providerId="LiveId" clId="{507E4B7A-38BE-464C-BA0F-CAFE4A558649}"/>
-    <pc:docChg chg="undo custSel delSld modSld">
-      <pc:chgData name="Suraj Arya" userId="116808dbeaa341df" providerId="LiveId" clId="{507E4B7A-38BE-464C-BA0F-CAFE4A558649}" dt="2025-07-17T03:02:29.083" v="800" actId="1076"/>
+    <pc:docChg chg="undo custSel addSld delSld modSld">
+      <pc:chgData name="Suraj Arya" userId="116808dbeaa341df" providerId="LiveId" clId="{507E4B7A-38BE-464C-BA0F-CAFE4A558649}" dt="2025-07-26T19:15:21.760" v="851" actId="313"/>
       <pc:docMkLst>
         <pc:docMk/>
       </pc:docMkLst>
-      <pc:sldChg chg="modSp mod setBg">
-        <pc:chgData name="Suraj Arya" userId="116808dbeaa341df" providerId="LiveId" clId="{507E4B7A-38BE-464C-BA0F-CAFE4A558649}" dt="2025-07-17T03:01:01.096" v="546" actId="14100"/>
+      <pc:sldChg chg="modSp mod setBg modNotesTx">
+        <pc:chgData name="Suraj Arya" userId="116808dbeaa341df" providerId="LiveId" clId="{507E4B7A-38BE-464C-BA0F-CAFE4A558649}" dt="2025-07-26T19:11:32.825" v="838" actId="20577"/>
         <pc:sldMkLst>
           <pc:docMk/>
           <pc:sldMk cId="0" sldId="256"/>
@@ -170,106 +169,42 @@
           </ac:spMkLst>
         </pc:spChg>
       </pc:sldChg>
-      <pc:sldChg chg="modSp mod setBg">
-        <pc:chgData name="Suraj Arya" userId="116808dbeaa341df" providerId="LiveId" clId="{507E4B7A-38BE-464C-BA0F-CAFE4A558649}" dt="2025-07-17T03:02:29.083" v="800" actId="1076"/>
+      <pc:sldChg chg="modSp del mod setBg">
+        <pc:chgData name="Suraj Arya" userId="116808dbeaa341df" providerId="LiveId" clId="{507E4B7A-38BE-464C-BA0F-CAFE4A558649}" dt="2025-07-26T19:09:44.389" v="808" actId="47"/>
         <pc:sldMkLst>
           <pc:docMk/>
           <pc:sldMk cId="0" sldId="257"/>
         </pc:sldMkLst>
-        <pc:spChg chg="mod">
-          <ac:chgData name="Suraj Arya" userId="116808dbeaa341df" providerId="LiveId" clId="{507E4B7A-38BE-464C-BA0F-CAFE4A558649}" dt="2025-07-17T03:02:27.200" v="799" actId="1076"/>
-          <ac:spMkLst>
-            <pc:docMk/>
-            <pc:sldMk cId="0" sldId="257"/>
-            <ac:spMk id="2" creationId="{00000000-0000-0000-0000-000000000000}"/>
-          </ac:spMkLst>
-        </pc:spChg>
-        <pc:spChg chg="mod">
-          <ac:chgData name="Suraj Arya" userId="116808dbeaa341df" providerId="LiveId" clId="{507E4B7A-38BE-464C-BA0F-CAFE4A558649}" dt="2025-07-17T03:02:29.083" v="800" actId="1076"/>
-          <ac:spMkLst>
-            <pc:docMk/>
-            <pc:sldMk cId="0" sldId="257"/>
-            <ac:spMk id="3" creationId="{00000000-0000-0000-0000-000000000000}"/>
-          </ac:spMkLst>
-        </pc:spChg>
       </pc:sldChg>
-      <pc:sldChg chg="modSp mod">
-        <pc:chgData name="Suraj Arya" userId="116808dbeaa341df" providerId="LiveId" clId="{507E4B7A-38BE-464C-BA0F-CAFE4A558649}" dt="2025-07-17T02:50:52.146" v="452" actId="20577"/>
+      <pc:sldChg chg="modSp del mod">
+        <pc:chgData name="Suraj Arya" userId="116808dbeaa341df" providerId="LiveId" clId="{507E4B7A-38BE-464C-BA0F-CAFE4A558649}" dt="2025-07-26T19:09:47.865" v="809" actId="47"/>
         <pc:sldMkLst>
           <pc:docMk/>
           <pc:sldMk cId="0" sldId="258"/>
         </pc:sldMkLst>
-        <pc:spChg chg="mod">
-          <ac:chgData name="Suraj Arya" userId="116808dbeaa341df" providerId="LiveId" clId="{507E4B7A-38BE-464C-BA0F-CAFE4A558649}" dt="2025-07-17T02:45:37.176" v="261"/>
-          <ac:spMkLst>
-            <pc:docMk/>
-            <pc:sldMk cId="0" sldId="258"/>
-            <ac:spMk id="2" creationId="{00000000-0000-0000-0000-000000000000}"/>
-          </ac:spMkLst>
-        </pc:spChg>
-        <pc:spChg chg="mod">
-          <ac:chgData name="Suraj Arya" userId="116808dbeaa341df" providerId="LiveId" clId="{507E4B7A-38BE-464C-BA0F-CAFE4A558649}" dt="2025-07-17T02:50:52.146" v="452" actId="20577"/>
-          <ac:spMkLst>
-            <pc:docMk/>
-            <pc:sldMk cId="0" sldId="258"/>
-            <ac:spMk id="3" creationId="{00000000-0000-0000-0000-000000000000}"/>
-          </ac:spMkLst>
-        </pc:spChg>
       </pc:sldChg>
-      <pc:sldChg chg="modSp">
-        <pc:chgData name="Suraj Arya" userId="116808dbeaa341df" providerId="LiveId" clId="{507E4B7A-38BE-464C-BA0F-CAFE4A558649}" dt="2025-07-17T02:45:37.176" v="261"/>
+      <pc:sldChg chg="modSp del">
+        <pc:chgData name="Suraj Arya" userId="116808dbeaa341df" providerId="LiveId" clId="{507E4B7A-38BE-464C-BA0F-CAFE4A558649}" dt="2025-07-26T19:09:49.994" v="810" actId="47"/>
         <pc:sldMkLst>
           <pc:docMk/>
           <pc:sldMk cId="0" sldId="259"/>
         </pc:sldMkLst>
-        <pc:spChg chg="mod">
-          <ac:chgData name="Suraj Arya" userId="116808dbeaa341df" providerId="LiveId" clId="{507E4B7A-38BE-464C-BA0F-CAFE4A558649}" dt="2025-07-17T02:45:37.176" v="261"/>
-          <ac:spMkLst>
-            <pc:docMk/>
-            <pc:sldMk cId="0" sldId="259"/>
-            <ac:spMk id="2" creationId="{00000000-0000-0000-0000-000000000000}"/>
-          </ac:spMkLst>
-        </pc:spChg>
-        <pc:spChg chg="mod">
-          <ac:chgData name="Suraj Arya" userId="116808dbeaa341df" providerId="LiveId" clId="{507E4B7A-38BE-464C-BA0F-CAFE4A558649}" dt="2025-07-17T02:45:37.176" v="261"/>
-          <ac:spMkLst>
-            <pc:docMk/>
-            <pc:sldMk cId="0" sldId="259"/>
-            <ac:spMk id="3" creationId="{00000000-0000-0000-0000-000000000000}"/>
-          </ac:spMkLst>
-        </pc:spChg>
       </pc:sldChg>
-      <pc:sldChg chg="modSp mod">
-        <pc:chgData name="Suraj Arya" userId="116808dbeaa341df" providerId="LiveId" clId="{507E4B7A-38BE-464C-BA0F-CAFE4A558649}" dt="2025-07-17T02:51:17.668" v="465" actId="403"/>
+      <pc:sldChg chg="modSp del mod">
+        <pc:chgData name="Suraj Arya" userId="116808dbeaa341df" providerId="LiveId" clId="{507E4B7A-38BE-464C-BA0F-CAFE4A558649}" dt="2025-07-26T19:09:52.656" v="811" actId="47"/>
         <pc:sldMkLst>
           <pc:docMk/>
           <pc:sldMk cId="0" sldId="260"/>
         </pc:sldMkLst>
-        <pc:spChg chg="mod">
-          <ac:chgData name="Suraj Arya" userId="116808dbeaa341df" providerId="LiveId" clId="{507E4B7A-38BE-464C-BA0F-CAFE4A558649}" dt="2025-07-17T02:45:37.176" v="261"/>
-          <ac:spMkLst>
-            <pc:docMk/>
-            <pc:sldMk cId="0" sldId="260"/>
-            <ac:spMk id="2" creationId="{00000000-0000-0000-0000-000000000000}"/>
-          </ac:spMkLst>
-        </pc:spChg>
-        <pc:spChg chg="mod">
-          <ac:chgData name="Suraj Arya" userId="116808dbeaa341df" providerId="LiveId" clId="{507E4B7A-38BE-464C-BA0F-CAFE4A558649}" dt="2025-07-17T02:51:17.668" v="465" actId="403"/>
-          <ac:spMkLst>
-            <pc:docMk/>
-            <pc:sldMk cId="0" sldId="260"/>
-            <ac:spMk id="3" creationId="{00000000-0000-0000-0000-000000000000}"/>
-          </ac:spMkLst>
-        </pc:spChg>
       </pc:sldChg>
-      <pc:sldChg chg="modSp mod">
-        <pc:chgData name="Suraj Arya" userId="116808dbeaa341df" providerId="LiveId" clId="{507E4B7A-38BE-464C-BA0F-CAFE4A558649}" dt="2025-07-17T02:51:29.098" v="471" actId="403"/>
+      <pc:sldChg chg="modSp mod modNotesTx">
+        <pc:chgData name="Suraj Arya" userId="116808dbeaa341df" providerId="LiveId" clId="{507E4B7A-38BE-464C-BA0F-CAFE4A558649}" dt="2025-07-26T19:13:07.800" v="845" actId="20577"/>
         <pc:sldMkLst>
           <pc:docMk/>
           <pc:sldMk cId="0" sldId="261"/>
         </pc:sldMkLst>
         <pc:spChg chg="mod">
-          <ac:chgData name="Suraj Arya" userId="116808dbeaa341df" providerId="LiveId" clId="{507E4B7A-38BE-464C-BA0F-CAFE4A558649}" dt="2025-07-17T02:45:37.176" v="261"/>
+          <ac:chgData name="Suraj Arya" userId="116808dbeaa341df" providerId="LiveId" clId="{507E4B7A-38BE-464C-BA0F-CAFE4A558649}" dt="2025-07-26T19:12:01.440" v="840"/>
           <ac:spMkLst>
             <pc:docMk/>
             <pc:sldMk cId="0" sldId="261"/>
@@ -277,7 +212,7 @@
           </ac:spMkLst>
         </pc:spChg>
         <pc:spChg chg="mod">
-          <ac:chgData name="Suraj Arya" userId="116808dbeaa341df" providerId="LiveId" clId="{507E4B7A-38BE-464C-BA0F-CAFE4A558649}" dt="2025-07-17T02:51:29.098" v="471" actId="403"/>
+          <ac:chgData name="Suraj Arya" userId="116808dbeaa341df" providerId="LiveId" clId="{507E4B7A-38BE-464C-BA0F-CAFE4A558649}" dt="2025-07-26T19:12:17.357" v="844" actId="20577"/>
           <ac:spMkLst>
             <pc:docMk/>
             <pc:sldMk cId="0" sldId="261"/>
@@ -285,8 +220,8 @@
           </ac:spMkLst>
         </pc:spChg>
       </pc:sldChg>
-      <pc:sldChg chg="addSp modSp mod">
-        <pc:chgData name="Suraj Arya" userId="116808dbeaa341df" providerId="LiveId" clId="{507E4B7A-38BE-464C-BA0F-CAFE4A558649}" dt="2025-07-17T02:51:35.148" v="476" actId="403"/>
+      <pc:sldChg chg="addSp modSp del mod">
+        <pc:chgData name="Suraj Arya" userId="116808dbeaa341df" providerId="LiveId" clId="{507E4B7A-38BE-464C-BA0F-CAFE4A558649}" dt="2025-07-26T19:14:36.857" v="847" actId="47"/>
         <pc:sldMkLst>
           <pc:docMk/>
           <pc:sldMk cId="0" sldId="262"/>
@@ -307,23 +242,15 @@
             <ac:spMk id="3" creationId="{00000000-0000-0000-0000-000000000000}"/>
           </ac:spMkLst>
         </pc:spChg>
-        <pc:spChg chg="add">
-          <ac:chgData name="Suraj Arya" userId="116808dbeaa341df" providerId="LiveId" clId="{507E4B7A-38BE-464C-BA0F-CAFE4A558649}" dt="2025-07-17T02:37:00.161" v="43"/>
-          <ac:spMkLst>
-            <pc:docMk/>
-            <pc:sldMk cId="0" sldId="262"/>
-            <ac:spMk id="4" creationId="{4D7CA1FD-2426-474E-E73F-F4DF1C755C76}"/>
-          </ac:spMkLst>
-        </pc:spChg>
       </pc:sldChg>
-      <pc:sldChg chg="modSp mod">
-        <pc:chgData name="Suraj Arya" userId="116808dbeaa341df" providerId="LiveId" clId="{507E4B7A-38BE-464C-BA0F-CAFE4A558649}" dt="2025-07-17T02:51:42.628" v="481" actId="403"/>
+      <pc:sldChg chg="modSp mod modNotesTx">
+        <pc:chgData name="Suraj Arya" userId="116808dbeaa341df" providerId="LiveId" clId="{507E4B7A-38BE-464C-BA0F-CAFE4A558649}" dt="2025-07-26T19:15:21.760" v="851" actId="313"/>
         <pc:sldMkLst>
           <pc:docMk/>
           <pc:sldMk cId="0" sldId="263"/>
         </pc:sldMkLst>
         <pc:spChg chg="mod">
-          <ac:chgData name="Suraj Arya" userId="116808dbeaa341df" providerId="LiveId" clId="{507E4B7A-38BE-464C-BA0F-CAFE4A558649}" dt="2025-07-17T02:45:37.176" v="261"/>
+          <ac:chgData name="Suraj Arya" userId="116808dbeaa341df" providerId="LiveId" clId="{507E4B7A-38BE-464C-BA0F-CAFE4A558649}" dt="2025-07-26T19:14:21.609" v="846" actId="14100"/>
           <ac:spMkLst>
             <pc:docMk/>
             <pc:sldMk cId="0" sldId="263"/>
@@ -331,7 +258,7 @@
           </ac:spMkLst>
         </pc:spChg>
         <pc:spChg chg="mod">
-          <ac:chgData name="Suraj Arya" userId="116808dbeaa341df" providerId="LiveId" clId="{507E4B7A-38BE-464C-BA0F-CAFE4A558649}" dt="2025-07-17T02:51:42.628" v="481" actId="403"/>
+          <ac:chgData name="Suraj Arya" userId="116808dbeaa341df" providerId="LiveId" clId="{507E4B7A-38BE-464C-BA0F-CAFE4A558649}" dt="2025-07-26T19:10:32.762" v="827" actId="20577"/>
           <ac:spMkLst>
             <pc:docMk/>
             <pc:sldMk cId="0" sldId="263"/>
@@ -345,26 +272,703 @@
           <pc:docMk/>
           <pc:sldMk cId="0" sldId="264"/>
         </pc:sldMkLst>
-        <pc:spChg chg="mod">
-          <ac:chgData name="Suraj Arya" userId="116808dbeaa341df" providerId="LiveId" clId="{507E4B7A-38BE-464C-BA0F-CAFE4A558649}" dt="2025-07-17T02:31:34.823" v="5"/>
-          <ac:spMkLst>
-            <pc:docMk/>
-            <pc:sldMk cId="0" sldId="264"/>
-            <ac:spMk id="2" creationId="{00000000-0000-0000-0000-000000000000}"/>
-          </ac:spMkLst>
-        </pc:spChg>
-        <pc:spChg chg="mod">
-          <ac:chgData name="Suraj Arya" userId="116808dbeaa341df" providerId="LiveId" clId="{507E4B7A-38BE-464C-BA0F-CAFE4A558649}" dt="2025-07-17T02:33:43.014" v="30" actId="14100"/>
-          <ac:spMkLst>
-            <pc:docMk/>
-            <pc:sldMk cId="0" sldId="264"/>
-            <ac:spMk id="3" creationId="{00000000-0000-0000-0000-000000000000}"/>
-          </ac:spMkLst>
-        </pc:spChg>
+      </pc:sldChg>
+      <pc:sldChg chg="add">
+        <pc:chgData name="Suraj Arya" userId="116808dbeaa341df" providerId="LiveId" clId="{507E4B7A-38BE-464C-BA0F-CAFE4A558649}" dt="2025-07-26T19:11:46.263" v="839"/>
+        <pc:sldMkLst>
+          <pc:docMk/>
+          <pc:sldMk cId="535002441" sldId="264"/>
+        </pc:sldMkLst>
       </pc:sldChg>
     </pc:docChg>
   </pc:docChgLst>
 </pc:chgInfo>
+</file>
+
+<file path=ppt/notesMasters/notesMaster1.xml><?xml version="1.0" encoding="utf-8"?>
+<p:notesMaster xmlns:a="http://schemas.openxmlformats.org/drawingml/2006/main" xmlns:r="http://schemas.openxmlformats.org/officeDocument/2006/relationships" xmlns:p="http://schemas.openxmlformats.org/presentationml/2006/main">
+  <p:cSld>
+    <p:bg>
+      <p:bgRef idx="1001">
+        <a:schemeClr val="bg1"/>
+      </p:bgRef>
+    </p:bg>
+    <p:spTree>
+      <p:nvGrpSpPr>
+        <p:cNvPr id="1" name=""/>
+        <p:cNvGrpSpPr/>
+        <p:nvPr/>
+      </p:nvGrpSpPr>
+      <p:grpSpPr>
+        <a:xfrm>
+          <a:off x="0" y="0"/>
+          <a:ext cx="0" cy="0"/>
+          <a:chOff x="0" y="0"/>
+          <a:chExt cx="0" cy="0"/>
+        </a:xfrm>
+      </p:grpSpPr>
+      <p:sp>
+        <p:nvSpPr>
+          <p:cNvPr id="2" name="Header Placeholder 1"/>
+          <p:cNvSpPr>
+            <a:spLocks noGrp="1"/>
+          </p:cNvSpPr>
+          <p:nvPr>
+            <p:ph type="hdr" sz="quarter"/>
+          </p:nvPr>
+        </p:nvSpPr>
+        <p:spPr>
+          <a:xfrm>
+            <a:off x="0" y="0"/>
+            <a:ext cx="2971800" cy="458788"/>
+          </a:xfrm>
+          <a:prstGeom prst="rect">
+            <a:avLst/>
+          </a:prstGeom>
+        </p:spPr>
+        <p:txBody>
+          <a:bodyPr vert="horz" lIns="91440" tIns="45720" rIns="91440" bIns="45720" rtlCol="0"/>
+          <a:lstStyle>
+            <a:lvl1pPr algn="l">
+              <a:defRPr sz="1200"/>
+            </a:lvl1pPr>
+          </a:lstStyle>
+          <a:p>
+            <a:endParaRPr lang="en-IN"/>
+          </a:p>
+        </p:txBody>
+      </p:sp>
+      <p:sp>
+        <p:nvSpPr>
+          <p:cNvPr id="3" name="Date Placeholder 2"/>
+          <p:cNvSpPr>
+            <a:spLocks noGrp="1"/>
+          </p:cNvSpPr>
+          <p:nvPr>
+            <p:ph type="dt" idx="1"/>
+          </p:nvPr>
+        </p:nvSpPr>
+        <p:spPr>
+          <a:xfrm>
+            <a:off x="3884613" y="0"/>
+            <a:ext cx="2971800" cy="458788"/>
+          </a:xfrm>
+          <a:prstGeom prst="rect">
+            <a:avLst/>
+          </a:prstGeom>
+        </p:spPr>
+        <p:txBody>
+          <a:bodyPr vert="horz" lIns="91440" tIns="45720" rIns="91440" bIns="45720" rtlCol="0"/>
+          <a:lstStyle>
+            <a:lvl1pPr algn="r">
+              <a:defRPr sz="1200"/>
+            </a:lvl1pPr>
+          </a:lstStyle>
+          <a:p>
+            <a:fld id="{43DDC822-64DB-4086-A95A-AB6E73612C06}" type="datetimeFigureOut">
+              <a:rPr lang="en-IN" smtClean="0"/>
+              <a:t>27-07-2025</a:t>
+            </a:fld>
+            <a:endParaRPr lang="en-IN"/>
+          </a:p>
+        </p:txBody>
+      </p:sp>
+      <p:sp>
+        <p:nvSpPr>
+          <p:cNvPr id="4" name="Slide Image Placeholder 3"/>
+          <p:cNvSpPr>
+            <a:spLocks noGrp="1" noRot="1" noChangeAspect="1"/>
+          </p:cNvSpPr>
+          <p:nvPr>
+            <p:ph type="sldImg" idx="2"/>
+          </p:nvPr>
+        </p:nvSpPr>
+        <p:spPr>
+          <a:xfrm>
+            <a:off x="685800" y="1143000"/>
+            <a:ext cx="5486400" cy="3086100"/>
+          </a:xfrm>
+          <a:prstGeom prst="rect">
+            <a:avLst/>
+          </a:prstGeom>
+          <a:noFill/>
+          <a:ln w="12700">
+            <a:solidFill>
+              <a:prstClr val="black"/>
+            </a:solidFill>
+          </a:ln>
+        </p:spPr>
+        <p:txBody>
+          <a:bodyPr vert="horz" lIns="91440" tIns="45720" rIns="91440" bIns="45720" rtlCol="0" anchor="ctr"/>
+          <a:lstStyle/>
+          <a:p>
+            <a:endParaRPr lang="en-IN"/>
+          </a:p>
+        </p:txBody>
+      </p:sp>
+      <p:sp>
+        <p:nvSpPr>
+          <p:cNvPr id="5" name="Notes Placeholder 4"/>
+          <p:cNvSpPr>
+            <a:spLocks noGrp="1"/>
+          </p:cNvSpPr>
+          <p:nvPr>
+            <p:ph type="body" sz="quarter" idx="3"/>
+          </p:nvPr>
+        </p:nvSpPr>
+        <p:spPr>
+          <a:xfrm>
+            <a:off x="685800" y="4400550"/>
+            <a:ext cx="5486400" cy="3600450"/>
+          </a:xfrm>
+          <a:prstGeom prst="rect">
+            <a:avLst/>
+          </a:prstGeom>
+        </p:spPr>
+        <p:txBody>
+          <a:bodyPr vert="horz" lIns="91440" tIns="45720" rIns="91440" bIns="45720" rtlCol="0"/>
+          <a:lstStyle/>
+          <a:p>
+            <a:pPr lvl="0"/>
+            <a:r>
+              <a:rPr lang="en-US"/>
+              <a:t>Click to edit Master text styles</a:t>
+            </a:r>
+          </a:p>
+          <a:p>
+            <a:pPr lvl="1"/>
+            <a:r>
+              <a:rPr lang="en-US"/>
+              <a:t>Second level</a:t>
+            </a:r>
+          </a:p>
+          <a:p>
+            <a:pPr lvl="2"/>
+            <a:r>
+              <a:rPr lang="en-US"/>
+              <a:t>Third level</a:t>
+            </a:r>
+          </a:p>
+          <a:p>
+            <a:pPr lvl="3"/>
+            <a:r>
+              <a:rPr lang="en-US"/>
+              <a:t>Fourth level</a:t>
+            </a:r>
+          </a:p>
+          <a:p>
+            <a:pPr lvl="4"/>
+            <a:r>
+              <a:rPr lang="en-US"/>
+              <a:t>Fifth level</a:t>
+            </a:r>
+            <a:endParaRPr lang="en-IN"/>
+          </a:p>
+        </p:txBody>
+      </p:sp>
+      <p:sp>
+        <p:nvSpPr>
+          <p:cNvPr id="6" name="Footer Placeholder 5"/>
+          <p:cNvSpPr>
+            <a:spLocks noGrp="1"/>
+          </p:cNvSpPr>
+          <p:nvPr>
+            <p:ph type="ftr" sz="quarter" idx="4"/>
+          </p:nvPr>
+        </p:nvSpPr>
+        <p:spPr>
+          <a:xfrm>
+            <a:off x="0" y="8685213"/>
+            <a:ext cx="2971800" cy="458787"/>
+          </a:xfrm>
+          <a:prstGeom prst="rect">
+            <a:avLst/>
+          </a:prstGeom>
+        </p:spPr>
+        <p:txBody>
+          <a:bodyPr vert="horz" lIns="91440" tIns="45720" rIns="91440" bIns="45720" rtlCol="0" anchor="b"/>
+          <a:lstStyle>
+            <a:lvl1pPr algn="l">
+              <a:defRPr sz="1200"/>
+            </a:lvl1pPr>
+          </a:lstStyle>
+          <a:p>
+            <a:endParaRPr lang="en-IN"/>
+          </a:p>
+        </p:txBody>
+      </p:sp>
+      <p:sp>
+        <p:nvSpPr>
+          <p:cNvPr id="7" name="Slide Number Placeholder 6"/>
+          <p:cNvSpPr>
+            <a:spLocks noGrp="1"/>
+          </p:cNvSpPr>
+          <p:nvPr>
+            <p:ph type="sldNum" sz="quarter" idx="5"/>
+          </p:nvPr>
+        </p:nvSpPr>
+        <p:spPr>
+          <a:xfrm>
+            <a:off x="3884613" y="8685213"/>
+            <a:ext cx="2971800" cy="458787"/>
+          </a:xfrm>
+          <a:prstGeom prst="rect">
+            <a:avLst/>
+          </a:prstGeom>
+        </p:spPr>
+        <p:txBody>
+          <a:bodyPr vert="horz" lIns="91440" tIns="45720" rIns="91440" bIns="45720" rtlCol="0" anchor="b"/>
+          <a:lstStyle>
+            <a:lvl1pPr algn="r">
+              <a:defRPr sz="1200"/>
+            </a:lvl1pPr>
+          </a:lstStyle>
+          <a:p>
+            <a:fld id="{5BE348C0-737A-4C9B-A70B-0CB99B5DF83D}" type="slidenum">
+              <a:rPr lang="en-IN" smtClean="0"/>
+              <a:t>‹#›</a:t>
+            </a:fld>
+            <a:endParaRPr lang="en-IN"/>
+          </a:p>
+        </p:txBody>
+      </p:sp>
+    </p:spTree>
+    <p:extLst>
+      <p:ext uri="{BB962C8B-B14F-4D97-AF65-F5344CB8AC3E}">
+        <p14:creationId xmlns:p14="http://schemas.microsoft.com/office/powerpoint/2010/main" val="168859845"/>
+      </p:ext>
+    </p:extLst>
+  </p:cSld>
+  <p:clrMap bg1="lt1" tx1="dk1" bg2="lt2" tx2="dk2" accent1="accent1" accent2="accent2" accent3="accent3" accent4="accent4" accent5="accent5" accent6="accent6" hlink="hlink" folHlink="folHlink"/>
+  <p:notesStyle>
+    <a:lvl1pPr marL="0" algn="l" defTabSz="914400" rtl="0" eaLnBrk="1" latinLnBrk="0" hangingPunct="1">
+      <a:defRPr sz="1200" kern="1200">
+        <a:solidFill>
+          <a:schemeClr val="tx1"/>
+        </a:solidFill>
+        <a:latin typeface="+mn-lt"/>
+        <a:ea typeface="+mn-ea"/>
+        <a:cs typeface="+mn-cs"/>
+      </a:defRPr>
+    </a:lvl1pPr>
+    <a:lvl2pPr marL="457200" algn="l" defTabSz="914400" rtl="0" eaLnBrk="1" latinLnBrk="0" hangingPunct="1">
+      <a:defRPr sz="1200" kern="1200">
+        <a:solidFill>
+          <a:schemeClr val="tx1"/>
+        </a:solidFill>
+        <a:latin typeface="+mn-lt"/>
+        <a:ea typeface="+mn-ea"/>
+        <a:cs typeface="+mn-cs"/>
+      </a:defRPr>
+    </a:lvl2pPr>
+    <a:lvl3pPr marL="914400" algn="l" defTabSz="914400" rtl="0" eaLnBrk="1" latinLnBrk="0" hangingPunct="1">
+      <a:defRPr sz="1200" kern="1200">
+        <a:solidFill>
+          <a:schemeClr val="tx1"/>
+        </a:solidFill>
+        <a:latin typeface="+mn-lt"/>
+        <a:ea typeface="+mn-ea"/>
+        <a:cs typeface="+mn-cs"/>
+      </a:defRPr>
+    </a:lvl3pPr>
+    <a:lvl4pPr marL="1371600" algn="l" defTabSz="914400" rtl="0" eaLnBrk="1" latinLnBrk="0" hangingPunct="1">
+      <a:defRPr sz="1200" kern="1200">
+        <a:solidFill>
+          <a:schemeClr val="tx1"/>
+        </a:solidFill>
+        <a:latin typeface="+mn-lt"/>
+        <a:ea typeface="+mn-ea"/>
+        <a:cs typeface="+mn-cs"/>
+      </a:defRPr>
+    </a:lvl4pPr>
+    <a:lvl5pPr marL="1828800" algn="l" defTabSz="914400" rtl="0" eaLnBrk="1" latinLnBrk="0" hangingPunct="1">
+      <a:defRPr sz="1200" kern="1200">
+        <a:solidFill>
+          <a:schemeClr val="tx1"/>
+        </a:solidFill>
+        <a:latin typeface="+mn-lt"/>
+        <a:ea typeface="+mn-ea"/>
+        <a:cs typeface="+mn-cs"/>
+      </a:defRPr>
+    </a:lvl5pPr>
+    <a:lvl6pPr marL="2286000" algn="l" defTabSz="914400" rtl="0" eaLnBrk="1" latinLnBrk="0" hangingPunct="1">
+      <a:defRPr sz="1200" kern="1200">
+        <a:solidFill>
+          <a:schemeClr val="tx1"/>
+        </a:solidFill>
+        <a:latin typeface="+mn-lt"/>
+        <a:ea typeface="+mn-ea"/>
+        <a:cs typeface="+mn-cs"/>
+      </a:defRPr>
+    </a:lvl6pPr>
+    <a:lvl7pPr marL="2743200" algn="l" defTabSz="914400" rtl="0" eaLnBrk="1" latinLnBrk="0" hangingPunct="1">
+      <a:defRPr sz="1200" kern="1200">
+        <a:solidFill>
+          <a:schemeClr val="tx1"/>
+        </a:solidFill>
+        <a:latin typeface="+mn-lt"/>
+        <a:ea typeface="+mn-ea"/>
+        <a:cs typeface="+mn-cs"/>
+      </a:defRPr>
+    </a:lvl7pPr>
+    <a:lvl8pPr marL="3200400" algn="l" defTabSz="914400" rtl="0" eaLnBrk="1" latinLnBrk="0" hangingPunct="1">
+      <a:defRPr sz="1200" kern="1200">
+        <a:solidFill>
+          <a:schemeClr val="tx1"/>
+        </a:solidFill>
+        <a:latin typeface="+mn-lt"/>
+        <a:ea typeface="+mn-ea"/>
+        <a:cs typeface="+mn-cs"/>
+      </a:defRPr>
+    </a:lvl8pPr>
+    <a:lvl9pPr marL="3657600" algn="l" defTabSz="914400" rtl="0" eaLnBrk="1" latinLnBrk="0" hangingPunct="1">
+      <a:defRPr sz="1200" kern="1200">
+        <a:solidFill>
+          <a:schemeClr val="tx1"/>
+        </a:solidFill>
+        <a:latin typeface="+mn-lt"/>
+        <a:ea typeface="+mn-ea"/>
+        <a:cs typeface="+mn-cs"/>
+      </a:defRPr>
+    </a:lvl9pPr>
+  </p:notesStyle>
+</p:notesMaster>
+</file>
+
+<file path=ppt/notesSlides/notesSlide1.xml><?xml version="1.0" encoding="utf-8"?>
+<p:notes xmlns:a="http://schemas.openxmlformats.org/drawingml/2006/main" xmlns:r="http://schemas.openxmlformats.org/officeDocument/2006/relationships" xmlns:p="http://schemas.openxmlformats.org/presentationml/2006/main">
+  <p:cSld>
+    <p:spTree>
+      <p:nvGrpSpPr>
+        <p:cNvPr id="1" name=""/>
+        <p:cNvGrpSpPr/>
+        <p:nvPr/>
+      </p:nvGrpSpPr>
+      <p:grpSpPr>
+        <a:xfrm>
+          <a:off x="0" y="0"/>
+          <a:ext cx="0" cy="0"/>
+          <a:chOff x="0" y="0"/>
+          <a:chExt cx="0" cy="0"/>
+        </a:xfrm>
+      </p:grpSpPr>
+      <p:sp>
+        <p:nvSpPr>
+          <p:cNvPr id="2" name="Slide Image Placeholder 1"/>
+          <p:cNvSpPr>
+            <a:spLocks noGrp="1" noRot="1" noChangeAspect="1"/>
+          </p:cNvSpPr>
+          <p:nvPr>
+            <p:ph type="sldImg"/>
+          </p:nvPr>
+        </p:nvSpPr>
+        <p:spPr/>
+      </p:sp>
+      <p:sp>
+        <p:nvSpPr>
+          <p:cNvPr id="3" name="Notes Placeholder 2"/>
+          <p:cNvSpPr>
+            <a:spLocks noGrp="1"/>
+          </p:cNvSpPr>
+          <p:nvPr>
+            <p:ph type="body" idx="1"/>
+          </p:nvPr>
+        </p:nvSpPr>
+        <p:spPr/>
+        <p:txBody>
+          <a:bodyPr/>
+          <a:lstStyle/>
+          <a:p>
+            <a:r>
+              <a:rPr lang="en-US" dirty="0"/>
+              <a:t>1. As you all know, that Today is our </a:t>
+            </a:r>
+            <a:r>
+              <a:rPr lang="en-US" b="1" dirty="0"/>
+              <a:t>Final Test &amp; Certificate Distribution Ceremony</a:t>
+            </a:r>
+            <a:r>
+              <a:rPr lang="en-US" dirty="0"/>
+              <a:t>, and we’re here to celebrate your dedication and learning throughout this workshop. So let’s begin the day with energy.</a:t>
+            </a:r>
+          </a:p>
+        </p:txBody>
+      </p:sp>
+      <p:sp>
+        <p:nvSpPr>
+          <p:cNvPr id="4" name="Slide Number Placeholder 3"/>
+          <p:cNvSpPr>
+            <a:spLocks noGrp="1"/>
+          </p:cNvSpPr>
+          <p:nvPr>
+            <p:ph type="sldNum" sz="quarter" idx="5"/>
+          </p:nvPr>
+        </p:nvSpPr>
+        <p:spPr/>
+        <p:txBody>
+          <a:bodyPr/>
+          <a:lstStyle/>
+          <a:p>
+            <a:fld id="{5BE348C0-737A-4C9B-A70B-0CB99B5DF83D}" type="slidenum">
+              <a:rPr lang="en-IN" smtClean="0"/>
+              <a:t>1</a:t>
+            </a:fld>
+            <a:endParaRPr lang="en-IN"/>
+          </a:p>
+        </p:txBody>
+      </p:sp>
+    </p:spTree>
+    <p:extLst>
+      <p:ext uri="{BB962C8B-B14F-4D97-AF65-F5344CB8AC3E}">
+        <p14:creationId xmlns:p14="http://schemas.microsoft.com/office/powerpoint/2010/main" val="3890470399"/>
+      </p:ext>
+    </p:extLst>
+  </p:cSld>
+  <p:clrMapOvr>
+    <a:masterClrMapping/>
+  </p:clrMapOvr>
+</p:notes>
+</file>
+
+<file path=ppt/notesSlides/notesSlide2.xml><?xml version="1.0" encoding="utf-8"?>
+<p:notes xmlns:a="http://schemas.openxmlformats.org/drawingml/2006/main" xmlns:r="http://schemas.openxmlformats.org/officeDocument/2006/relationships" xmlns:p="http://schemas.openxmlformats.org/presentationml/2006/main">
+  <p:cSld>
+    <p:spTree>
+      <p:nvGrpSpPr>
+        <p:cNvPr id="1" name=""/>
+        <p:cNvGrpSpPr/>
+        <p:nvPr/>
+      </p:nvGrpSpPr>
+      <p:grpSpPr>
+        <a:xfrm>
+          <a:off x="0" y="0"/>
+          <a:ext cx="0" cy="0"/>
+          <a:chOff x="0" y="0"/>
+          <a:chExt cx="0" cy="0"/>
+        </a:xfrm>
+      </p:grpSpPr>
+      <p:sp>
+        <p:nvSpPr>
+          <p:cNvPr id="2" name="Slide Image Placeholder 1"/>
+          <p:cNvSpPr>
+            <a:spLocks noGrp="1" noRot="1" noChangeAspect="1"/>
+          </p:cNvSpPr>
+          <p:nvPr>
+            <p:ph type="sldImg"/>
+          </p:nvPr>
+        </p:nvSpPr>
+        <p:spPr/>
+      </p:sp>
+      <p:sp>
+        <p:nvSpPr>
+          <p:cNvPr id="3" name="Notes Placeholder 2"/>
+          <p:cNvSpPr>
+            <a:spLocks noGrp="1"/>
+          </p:cNvSpPr>
+          <p:nvPr>
+            <p:ph type="body" idx="1"/>
+          </p:nvPr>
+        </p:nvSpPr>
+        <p:spPr/>
+        <p:txBody>
+          <a:bodyPr/>
+          <a:lstStyle/>
+          <a:p>
+            <a:pPr marL="0" marR="0" lvl="0" indent="0" algn="l" defTabSz="914400" rtl="0" eaLnBrk="1" fontAlgn="auto" latinLnBrk="0" hangingPunct="1">
+              <a:lnSpc>
+                <a:spcPct val="100000"/>
+              </a:lnSpc>
+              <a:spcBef>
+                <a:spcPts val="0"/>
+              </a:spcBef>
+              <a:spcAft>
+                <a:spcPts val="0"/>
+              </a:spcAft>
+              <a:buClrTx/>
+              <a:buSzTx/>
+              <a:buFontTx/>
+              <a:buNone/>
+              <a:tabLst/>
+              <a:defRPr/>
+            </a:pPr>
+            <a:r>
+              <a:rPr lang="en-US" dirty="0"/>
+              <a:t>2. Before we move to the certificate part, we’ll be conducting the final test to assess your learning. This is not just a test of memory, but a reflection of how sincerely you’ve attended and absorbed the concepts shared with you</a:t>
+            </a:r>
+          </a:p>
+          <a:p>
+            <a:pPr marL="0" marR="0" lvl="0" indent="0" algn="l" defTabSz="914400" rtl="0" eaLnBrk="1" fontAlgn="auto" latinLnBrk="0" hangingPunct="1">
+              <a:lnSpc>
+                <a:spcPct val="100000"/>
+              </a:lnSpc>
+              <a:spcBef>
+                <a:spcPts val="0"/>
+              </a:spcBef>
+              <a:spcAft>
+                <a:spcPts val="0"/>
+              </a:spcAft>
+              <a:buClrTx/>
+              <a:buSzTx/>
+              <a:buFontTx/>
+              <a:buNone/>
+              <a:tabLst/>
+              <a:defRPr/>
+            </a:pPr>
+            <a:endParaRPr lang="en-IN" dirty="0"/>
+          </a:p>
+          <a:p>
+            <a:r>
+              <a:rPr lang="en-US" dirty="0"/>
+              <a:t>signature of our </a:t>
+            </a:r>
+            <a:r>
+              <a:rPr lang="en-US" b="1" dirty="0"/>
+              <a:t>Head Director</a:t>
+            </a:r>
+            <a:r>
+              <a:rPr lang="en-US" dirty="0"/>
+              <a:t> and </a:t>
+            </a:r>
+            <a:r>
+              <a:rPr lang="en-US" b="1" dirty="0"/>
+              <a:t>Instructor</a:t>
+            </a:r>
+            <a:r>
+              <a:rPr lang="en-US" dirty="0"/>
+              <a:t>.</a:t>
+            </a:r>
+            <a:endParaRPr lang="en-IN" dirty="0"/>
+          </a:p>
+        </p:txBody>
+      </p:sp>
+      <p:sp>
+        <p:nvSpPr>
+          <p:cNvPr id="4" name="Slide Number Placeholder 3"/>
+          <p:cNvSpPr>
+            <a:spLocks noGrp="1"/>
+          </p:cNvSpPr>
+          <p:nvPr>
+            <p:ph type="sldNum" sz="quarter" idx="5"/>
+          </p:nvPr>
+        </p:nvSpPr>
+        <p:spPr/>
+        <p:txBody>
+          <a:bodyPr/>
+          <a:lstStyle/>
+          <a:p>
+            <a:fld id="{5BE348C0-737A-4C9B-A70B-0CB99B5DF83D}" type="slidenum">
+              <a:rPr lang="en-IN" smtClean="0"/>
+              <a:t>2</a:t>
+            </a:fld>
+            <a:endParaRPr lang="en-IN"/>
+          </a:p>
+        </p:txBody>
+      </p:sp>
+    </p:spTree>
+    <p:extLst>
+      <p:ext uri="{BB962C8B-B14F-4D97-AF65-F5344CB8AC3E}">
+        <p14:creationId xmlns:p14="http://schemas.microsoft.com/office/powerpoint/2010/main" val="2330764821"/>
+      </p:ext>
+    </p:extLst>
+  </p:cSld>
+  <p:clrMapOvr>
+    <a:masterClrMapping/>
+  </p:clrMapOvr>
+</p:notes>
+</file>
+
+<file path=ppt/notesSlides/notesSlide3.xml><?xml version="1.0" encoding="utf-8"?>
+<p:notes xmlns:a="http://schemas.openxmlformats.org/drawingml/2006/main" xmlns:r="http://schemas.openxmlformats.org/officeDocument/2006/relationships" xmlns:p="http://schemas.openxmlformats.org/presentationml/2006/main">
+  <p:cSld>
+    <p:spTree>
+      <p:nvGrpSpPr>
+        <p:cNvPr id="1" name=""/>
+        <p:cNvGrpSpPr/>
+        <p:nvPr/>
+      </p:nvGrpSpPr>
+      <p:grpSpPr>
+        <a:xfrm>
+          <a:off x="0" y="0"/>
+          <a:ext cx="0" cy="0"/>
+          <a:chOff x="0" y="0"/>
+          <a:chExt cx="0" cy="0"/>
+        </a:xfrm>
+      </p:grpSpPr>
+      <p:sp>
+        <p:nvSpPr>
+          <p:cNvPr id="2" name="Slide Image Placeholder 1"/>
+          <p:cNvSpPr>
+            <a:spLocks noGrp="1" noRot="1" noChangeAspect="1"/>
+          </p:cNvSpPr>
+          <p:nvPr>
+            <p:ph type="sldImg"/>
+          </p:nvPr>
+        </p:nvSpPr>
+        <p:spPr/>
+      </p:sp>
+      <p:sp>
+        <p:nvSpPr>
+          <p:cNvPr id="3" name="Notes Placeholder 2"/>
+          <p:cNvSpPr>
+            <a:spLocks noGrp="1"/>
+          </p:cNvSpPr>
+          <p:nvPr>
+            <p:ph type="body" idx="1"/>
+          </p:nvPr>
+        </p:nvSpPr>
+        <p:spPr/>
+        <p:txBody>
+          <a:bodyPr/>
+          <a:lstStyle/>
+          <a:p>
+            <a:r>
+              <a:rPr lang="en-US" dirty="0"/>
+              <a:t>Heartfelt congratulations to all of you for successfully completing this workshop. We hope it’s been a great learning experience and a stepping stone toward your digital journey.“</a:t>
+            </a:r>
+          </a:p>
+          <a:p>
+            <a:r>
+              <a:rPr lang="en-US"/>
+              <a:t>"We wish you all the best for your future, and hope to see you again in our advanced courses!"</a:t>
+            </a:r>
+            <a:endParaRPr lang="en-IN" dirty="0"/>
+          </a:p>
+        </p:txBody>
+      </p:sp>
+      <p:sp>
+        <p:nvSpPr>
+          <p:cNvPr id="4" name="Slide Number Placeholder 3"/>
+          <p:cNvSpPr>
+            <a:spLocks noGrp="1"/>
+          </p:cNvSpPr>
+          <p:nvPr>
+            <p:ph type="sldNum" sz="quarter" idx="5"/>
+          </p:nvPr>
+        </p:nvSpPr>
+        <p:spPr/>
+        <p:txBody>
+          <a:bodyPr/>
+          <a:lstStyle/>
+          <a:p>
+            <a:fld id="{5BE348C0-737A-4C9B-A70B-0CB99B5DF83D}" type="slidenum">
+              <a:rPr lang="en-IN" smtClean="0"/>
+              <a:t>4</a:t>
+            </a:fld>
+            <a:endParaRPr lang="en-IN"/>
+          </a:p>
+        </p:txBody>
+      </p:sp>
+    </p:spTree>
+    <p:extLst>
+      <p:ext uri="{BB962C8B-B14F-4D97-AF65-F5344CB8AC3E}">
+        <p14:creationId xmlns:p14="http://schemas.microsoft.com/office/powerpoint/2010/main" val="4089639103"/>
+      </p:ext>
+    </p:extLst>
+  </p:cSld>
+  <p:clrMapOvr>
+    <a:masterClrMapping/>
+  </p:clrMapOvr>
+</p:notes>
 </file>
 
 <file path=ppt/slideLayouts/slideLayout1.xml><?xml version="1.0" encoding="utf-8"?>
@@ -537,7 +1141,7 @@
           <a:p>
             <a:fld id="{5BCAD085-E8A6-8845-BD4E-CB4CCA059FC4}" type="datetimeFigureOut">
               <a:rPr lang="en-US" smtClean="0"/>
-              <a:t>7/17/2025</a:t>
+              <a:t>7/27/2025</a:t>
             </a:fld>
             <a:endParaRPr lang="en-US"/>
           </a:p>
@@ -804,7 +1408,7 @@
           <a:p>
             <a:fld id="{5BCAD085-E8A6-8845-BD4E-CB4CCA059FC4}" type="datetimeFigureOut">
               <a:rPr lang="en-US" smtClean="0"/>
-              <a:t>7/17/2025</a:t>
+              <a:t>7/27/2025</a:t>
             </a:fld>
             <a:endParaRPr lang="en-US"/>
           </a:p>
@@ -1035,7 +1639,7 @@
           <a:p>
             <a:fld id="{5BCAD085-E8A6-8845-BD4E-CB4CCA059FC4}" type="datetimeFigureOut">
               <a:rPr lang="en-US" smtClean="0"/>
-              <a:t>7/17/2025</a:t>
+              <a:t>7/27/2025</a:t>
             </a:fld>
             <a:endParaRPr lang="en-US"/>
           </a:p>
@@ -1345,7 +1949,7 @@
           <a:p>
             <a:fld id="{5BCAD085-E8A6-8845-BD4E-CB4CCA059FC4}" type="datetimeFigureOut">
               <a:rPr lang="en-US" smtClean="0"/>
-              <a:t>7/17/2025</a:t>
+              <a:t>7/27/2025</a:t>
             </a:fld>
             <a:endParaRPr lang="en-US"/>
           </a:p>
@@ -1818,7 +2422,7 @@
           <a:p>
             <a:fld id="{5BCAD085-E8A6-8845-BD4E-CB4CCA059FC4}" type="datetimeFigureOut">
               <a:rPr lang="en-US" smtClean="0"/>
-              <a:t>7/17/2025</a:t>
+              <a:t>7/27/2025</a:t>
             </a:fld>
             <a:endParaRPr lang="en-US"/>
           </a:p>
@@ -2365,7 +2969,7 @@
           <a:p>
             <a:fld id="{5BCAD085-E8A6-8845-BD4E-CB4CCA059FC4}" type="datetimeFigureOut">
               <a:rPr lang="en-US" smtClean="0"/>
-              <a:t>7/17/2025</a:t>
+              <a:t>7/27/2025</a:t>
             </a:fld>
             <a:endParaRPr lang="en-US"/>
           </a:p>
@@ -3139,7 +3743,7 @@
           <a:p>
             <a:fld id="{5BCAD085-E8A6-8845-BD4E-CB4CCA059FC4}" type="datetimeFigureOut">
               <a:rPr lang="en-US" smtClean="0"/>
-              <a:t>7/17/2025</a:t>
+              <a:t>7/27/2025</a:t>
             </a:fld>
             <a:endParaRPr lang="en-US"/>
           </a:p>
@@ -3314,7 +3918,7 @@
           <a:p>
             <a:fld id="{5BCAD085-E8A6-8845-BD4E-CB4CCA059FC4}" type="datetimeFigureOut">
               <a:rPr lang="en-US" smtClean="0"/>
-              <a:t>7/17/2025</a:t>
+              <a:t>7/27/2025</a:t>
             </a:fld>
             <a:endParaRPr lang="en-US"/>
           </a:p>
@@ -3537,7 +4141,7 @@
           <a:p>
             <a:fld id="{5BCAD085-E8A6-8845-BD4E-CB4CCA059FC4}" type="datetimeFigureOut">
               <a:rPr lang="en-US" smtClean="0"/>
-              <a:t>7/17/2025</a:t>
+              <a:t>7/27/2025</a:t>
             </a:fld>
             <a:endParaRPr lang="en-US"/>
           </a:p>
@@ -3717,7 +4321,7 @@
           <a:p>
             <a:fld id="{5BCAD085-E8A6-8845-BD4E-CB4CCA059FC4}" type="datetimeFigureOut">
               <a:rPr lang="en-US" smtClean="0"/>
-              <a:t>7/17/2025</a:t>
+              <a:t>7/27/2025</a:t>
             </a:fld>
             <a:endParaRPr lang="en-US"/>
           </a:p>
@@ -4006,7 +4610,7 @@
           <a:p>
             <a:fld id="{5BCAD085-E8A6-8845-BD4E-CB4CCA059FC4}" type="datetimeFigureOut">
               <a:rPr lang="en-US" smtClean="0"/>
-              <a:t>7/17/2025</a:t>
+              <a:t>7/27/2025</a:t>
             </a:fld>
             <a:endParaRPr lang="en-US"/>
           </a:p>
@@ -4248,7 +4852,7 @@
           <a:p>
             <a:fld id="{5BCAD085-E8A6-8845-BD4E-CB4CCA059FC4}" type="datetimeFigureOut">
               <a:rPr lang="en-US" smtClean="0"/>
-              <a:t>7/17/2025</a:t>
+              <a:t>7/27/2025</a:t>
             </a:fld>
             <a:endParaRPr lang="en-US"/>
           </a:p>
@@ -4627,7 +5231,7 @@
           <a:p>
             <a:fld id="{5BCAD085-E8A6-8845-BD4E-CB4CCA059FC4}" type="datetimeFigureOut">
               <a:rPr lang="en-US" smtClean="0"/>
-              <a:t>7/17/2025</a:t>
+              <a:t>7/27/2025</a:t>
             </a:fld>
             <a:endParaRPr lang="en-US"/>
           </a:p>
@@ -4745,7 +5349,7 @@
           <a:p>
             <a:fld id="{5BCAD085-E8A6-8845-BD4E-CB4CCA059FC4}" type="datetimeFigureOut">
               <a:rPr lang="en-US" smtClean="0"/>
-              <a:t>7/17/2025</a:t>
+              <a:t>7/27/2025</a:t>
             </a:fld>
             <a:endParaRPr lang="en-US"/>
           </a:p>
@@ -4840,7 +5444,7 @@
           <a:p>
             <a:fld id="{5BCAD085-E8A6-8845-BD4E-CB4CCA059FC4}" type="datetimeFigureOut">
               <a:rPr lang="en-US" smtClean="0"/>
-              <a:t>7/17/2025</a:t>
+              <a:t>7/27/2025</a:t>
             </a:fld>
             <a:endParaRPr lang="en-US"/>
           </a:p>
@@ -5089,7 +5693,7 @@
           <a:p>
             <a:fld id="{5BCAD085-E8A6-8845-BD4E-CB4CCA059FC4}" type="datetimeFigureOut">
               <a:rPr lang="en-US" smtClean="0"/>
-              <a:t>7/17/2025</a:t>
+              <a:t>7/27/2025</a:t>
             </a:fld>
             <a:endParaRPr lang="en-US"/>
           </a:p>
@@ -5346,7 +5950,7 @@
           <a:p>
             <a:fld id="{5BCAD085-E8A6-8845-BD4E-CB4CCA059FC4}" type="datetimeFigureOut">
               <a:rPr lang="en-US" smtClean="0"/>
-              <a:t>7/17/2025</a:t>
+              <a:t>7/27/2025</a:t>
             </a:fld>
             <a:endParaRPr lang="en-US"/>
           </a:p>
@@ -5589,7 +6193,7 @@
           <a:p>
             <a:fld id="{5BCAD085-E8A6-8845-BD4E-CB4CCA059FC4}" type="datetimeFigureOut">
               <a:rPr lang="en-US" smtClean="0"/>
-              <a:t>7/17/2025</a:t>
+              <a:t>7/27/2025</a:t>
             </a:fld>
             <a:endParaRPr lang="en-US"/>
           </a:p>
@@ -5989,7 +6593,7 @@
     <p:bg>
       <p:bgPr>
         <a:blipFill dpi="0" rotWithShape="1">
-          <a:blip r:embed="rId2">
+          <a:blip r:embed="rId3">
             <a:lum/>
           </a:blip>
           <a:srcRect/>
@@ -6185,20 +6789,6 @@
 <file path=ppt/slides/slide2.xml><?xml version="1.0" encoding="utf-8"?>
 <p:sld xmlns:a="http://schemas.openxmlformats.org/drawingml/2006/main" xmlns:r="http://schemas.openxmlformats.org/officeDocument/2006/relationships" xmlns:p="http://schemas.openxmlformats.org/presentationml/2006/main">
   <p:cSld>
-    <p:bg>
-      <p:bgPr>
-        <a:blipFill dpi="0" rotWithShape="1">
-          <a:blip r:embed="rId2">
-            <a:lum/>
-          </a:blip>
-          <a:srcRect/>
-          <a:stretch>
-            <a:fillRect t="-113000" r="-68000"/>
-          </a:stretch>
-        </a:blipFill>
-        <a:effectLst/>
-      </p:bgPr>
-    </p:bg>
     <p:spTree>
       <p:nvGrpSpPr>
         <p:cNvPr id="1" name=""/>
@@ -6223,20 +6813,16 @@
             <p:ph type="title"/>
           </p:nvPr>
         </p:nvSpPr>
-        <p:spPr>
-          <a:xfrm>
-            <a:off x="1790233" y="1302030"/>
-            <a:ext cx="8608358" cy="1293028"/>
-          </a:xfrm>
-        </p:spPr>
+        <p:spPr/>
         <p:txBody>
           <a:bodyPr/>
           <a:lstStyle/>
           <a:p>
             <a:r>
-              <a:rPr dirty="0"/>
-              <a:t>What is a Final Project?</a:t>
-            </a:r>
+              <a:rPr lang="en-IN" dirty="0"/>
+              <a:t>Test Announcement:</a:t>
+            </a:r>
+            <a:endParaRPr dirty="0"/>
           </a:p>
         </p:txBody>
       </p:sp>
@@ -6250,38 +6836,59 @@
             <p:ph idx="1"/>
           </p:nvPr>
         </p:nvSpPr>
-        <p:spPr>
-          <a:xfrm>
-            <a:off x="685622" y="2605943"/>
-            <a:ext cx="10817582" cy="3148915"/>
-          </a:xfrm>
-        </p:spPr>
+        <p:spPr/>
         <p:txBody>
           <a:bodyPr>
             <a:normAutofit/>
           </a:bodyPr>
           <a:lstStyle/>
           <a:p>
+            <a:pPr marL="0" indent="0">
+              <a:buNone/>
+            </a:pPr>
+            <a:r>
+              <a:rPr sz="4400" dirty="0"/>
+              <a:t>✅ </a:t>
+            </a:r>
             <a:r>
               <a:rPr lang="en-US" sz="4400" dirty="0"/>
               <a:t> </a:t>
             </a:r>
             <a:r>
-              <a:rPr sz="4400" dirty="0"/>
-              <a:t>Apply all learned skills practically</a:t>
-            </a:r>
-          </a:p>
-          <a:p>
-            <a:r>
-              <a:rPr sz="4400" dirty="0"/>
-              <a:t>Covers: Computer Basics, Office, Photoshop, Coding, Web Dev</a:t>
-            </a:r>
-          </a:p>
-          <a:p>
-            <a:r>
-              <a:rPr sz="4400" dirty="0"/>
-              <a:t>Goal: Make something practical yourself!</a:t>
-            </a:r>
+              <a:rPr lang="en-US" sz="4400" b="1" dirty="0"/>
+              <a:t>Test Start Timing</a:t>
+            </a:r>
+            <a:r>
+              <a:rPr lang="en-US" sz="4400" dirty="0"/>
+              <a:t>: [Mention time]</a:t>
+            </a:r>
+            <a:br>
+              <a:rPr lang="en-US" sz="4400" dirty="0"/>
+            </a:br>
+            <a:r>
+              <a:rPr lang="en-US" sz="4400" dirty="0"/>
+              <a:t>⏱️ </a:t>
+            </a:r>
+            <a:r>
+              <a:rPr lang="en-US" sz="4400" b="1" dirty="0"/>
+              <a:t>Duration</a:t>
+            </a:r>
+            <a:r>
+              <a:rPr lang="en-US" sz="4400" dirty="0"/>
+              <a:t>: 30 Minutes</a:t>
+            </a:r>
+            <a:br>
+              <a:rPr lang="en-US" sz="4400" dirty="0"/>
+            </a:br>
+            <a:r>
+              <a:rPr lang="en-US" sz="4400" dirty="0"/>
+              <a:t>🖊️ </a:t>
+            </a:r>
+            <a:r>
+              <a:rPr lang="en-US" sz="4400" b="1" dirty="0"/>
+              <a:t>Please keep only a pen with you – no bags, no 	notebooks, and avoid any unfair means.</a:t>
+            </a:r>
+            <a:endParaRPr sz="4400" dirty="0"/>
           </a:p>
         </p:txBody>
       </p:sp>
@@ -6298,7 +6905,13 @@
   <p:cSld>
     <p:spTree>
       <p:nvGrpSpPr>
-        <p:cNvPr id="1" name=""/>
+        <p:cNvPr id="1" name="">
+          <a:extLst>
+            <a:ext uri="{FF2B5EF4-FFF2-40B4-BE49-F238E27FC236}">
+              <a16:creationId xmlns:a16="http://schemas.microsoft.com/office/drawing/2014/main" id="{A22F02E5-151C-AD74-D4D7-58CE9C983405}"/>
+            </a:ext>
+          </a:extLst>
+        </p:cNvPr>
         <p:cNvGrpSpPr/>
         <p:nvPr/>
       </p:nvGrpSpPr>
@@ -6312,7 +6925,13 @@
       </p:grpSpPr>
       <p:sp>
         <p:nvSpPr>
-          <p:cNvPr id="2" name="Title 1"/>
+          <p:cNvPr id="2" name="Title 1">
+            <a:extLst>
+              <a:ext uri="{FF2B5EF4-FFF2-40B4-BE49-F238E27FC236}">
+                <a16:creationId xmlns:a16="http://schemas.microsoft.com/office/drawing/2014/main" id="{BD15EA57-39FF-AD39-9E6A-AA4981A29824}"/>
+              </a:ext>
+            </a:extLst>
+          </p:cNvPr>
           <p:cNvSpPr>
             <a:spLocks noGrp="1"/>
           </p:cNvSpPr>
@@ -6326,15 +6945,20 @@
           <a:lstStyle/>
           <a:p>
             <a:r>
-              <a:rPr dirty="0"/>
-              <a:t>Final Project Ideas</a:t>
-            </a:r>
-          </a:p>
-        </p:txBody>
-      </p:sp>
-      <p:sp>
-        <p:nvSpPr>
-          <p:cNvPr id="3" name="Content Placeholder 2"/>
+              <a:t>Class Discussion</a:t>
+            </a:r>
+          </a:p>
+        </p:txBody>
+      </p:sp>
+      <p:sp>
+        <p:nvSpPr>
+          <p:cNvPr id="3" name="Content Placeholder 2">
+            <a:extLst>
+              <a:ext uri="{FF2B5EF4-FFF2-40B4-BE49-F238E27FC236}">
+                <a16:creationId xmlns:a16="http://schemas.microsoft.com/office/drawing/2014/main" id="{8A2DB855-AB7F-FD11-D7BB-B6F9E5139F03}"/>
+              </a:ext>
+            </a:extLst>
+          </p:cNvPr>
           <p:cNvSpPr>
             <a:spLocks noGrp="1"/>
           </p:cNvSpPr>
@@ -6351,24 +6975,29 @@
           <a:p>
             <a:r>
               <a:rPr sz="4400" dirty="0"/>
-              <a:t> Beginner: Resume (Word), Budget (Excel), Hobby PPT</a:t>
+              <a:t>✅ Doubt Clearing Session</a:t>
             </a:r>
           </a:p>
           <a:p>
             <a:r>
               <a:rPr sz="4400" dirty="0"/>
-              <a:t> Intermediate: Poster (Photoshop), Website (HTML+CSS), Small Program</a:t>
+              <a:t>✅ Discuss most useful topics</a:t>
             </a:r>
           </a:p>
           <a:p>
             <a:r>
               <a:rPr sz="4400" dirty="0"/>
-              <a:t> Advanced: Host website on GitHub Pages</a:t>
+              <a:t>✅ Feedback on workshop experience</a:t>
             </a:r>
           </a:p>
         </p:txBody>
       </p:sp>
     </p:spTree>
+    <p:extLst>
+      <p:ext uri="{BB962C8B-B14F-4D97-AF65-F5344CB8AC3E}">
+        <p14:creationId xmlns:p14="http://schemas.microsoft.com/office/powerpoint/2010/main" val="535002441"/>
+      </p:ext>
+    </p:extLst>
   </p:cSld>
   <p:clrMapOvr>
     <a:masterClrMapping/>
@@ -6403,110 +7032,19 @@
             <p:ph type="title"/>
           </p:nvPr>
         </p:nvSpPr>
-        <p:spPr/>
+        <p:spPr>
+          <a:xfrm>
+            <a:off x="1562100" y="764373"/>
+            <a:ext cx="9941104" cy="1293028"/>
+          </a:xfrm>
+        </p:spPr>
         <p:txBody>
           <a:bodyPr/>
           <a:lstStyle/>
           <a:p>
             <a:r>
-              <a:t>Sample Website Structure</a:t>
-            </a:r>
-          </a:p>
-        </p:txBody>
-      </p:sp>
-      <p:sp>
-        <p:nvSpPr>
-          <p:cNvPr id="3" name="Content Placeholder 2"/>
-          <p:cNvSpPr>
-            <a:spLocks noGrp="1"/>
-          </p:cNvSpPr>
-          <p:nvPr>
-            <p:ph idx="1"/>
-          </p:nvPr>
-        </p:nvSpPr>
-        <p:spPr/>
-        <p:txBody>
-          <a:bodyPr/>
-          <a:lstStyle/>
-          <a:p>
-            <a:r>
-              <a:t>project_folder/</a:t>
-            </a:r>
-          </a:p>
-          <a:p>
-            <a:r>
-              <a:t>├── index.html</a:t>
-            </a:r>
-          </a:p>
-          <a:p>
-            <a:r>
-              <a:t>├── about.html</a:t>
-            </a:r>
-          </a:p>
-          <a:p>
-            <a:r>
-              <a:t>├── contact.html</a:t>
-            </a:r>
-          </a:p>
-          <a:p>
-            <a:r>
-              <a:t>├── css/style.css</a:t>
-            </a:r>
-          </a:p>
-          <a:p>
-            <a:r>
-              <a:t>└── images/photo.jpg</a:t>
-            </a:r>
-          </a:p>
-          <a:p>
-            <a:r>
-              <a:t>✅ Must include headings, links, CSS styling</a:t>
-            </a:r>
-          </a:p>
-        </p:txBody>
-      </p:sp>
-    </p:spTree>
-  </p:cSld>
-  <p:clrMapOvr>
-    <a:masterClrMapping/>
-  </p:clrMapOvr>
-</p:sld>
-</file>
-
-<file path=ppt/slides/slide5.xml><?xml version="1.0" encoding="utf-8"?>
-<p:sld xmlns:a="http://schemas.openxmlformats.org/drawingml/2006/main" xmlns:r="http://schemas.openxmlformats.org/officeDocument/2006/relationships" xmlns:p="http://schemas.openxmlformats.org/presentationml/2006/main">
-  <p:cSld>
-    <p:spTree>
-      <p:nvGrpSpPr>
-        <p:cNvPr id="1" name=""/>
-        <p:cNvGrpSpPr/>
-        <p:nvPr/>
-      </p:nvGrpSpPr>
-      <p:grpSpPr>
-        <a:xfrm>
-          <a:off x="0" y="0"/>
-          <a:ext cx="0" cy="0"/>
-          <a:chOff x="0" y="0"/>
-          <a:chExt cx="0" cy="0"/>
-        </a:xfrm>
-      </p:grpSpPr>
-      <p:sp>
-        <p:nvSpPr>
-          <p:cNvPr id="2" name="Title 1"/>
-          <p:cNvSpPr>
-            <a:spLocks noGrp="1"/>
-          </p:cNvSpPr>
-          <p:nvPr>
-            <p:ph type="title"/>
-          </p:nvPr>
-        </p:nvSpPr>
-        <p:spPr/>
-        <p:txBody>
-          <a:bodyPr/>
-          <a:lstStyle/>
-          <a:p>
-            <a:r>
-              <a:t>Project Submission Guidelines</a:t>
+              <a:rPr dirty="0"/>
+              <a:t>Congratulations &amp; Next Steps</a:t>
             </a:r>
           </a:p>
         </p:txBody>
@@ -6529,283 +7067,6 @@
           <a:lstStyle/>
           <a:p>
             <a:r>
-              <a:rPr sz="4400" dirty="0"/>
-              <a:t>✅ Complete chosen project</a:t>
-            </a:r>
-          </a:p>
-          <a:p>
-            <a:r>
-              <a:rPr sz="4400" dirty="0"/>
-              <a:t>✅ Save in a single folder</a:t>
-            </a:r>
-          </a:p>
-          <a:p>
-            <a:r>
-              <a:rPr sz="4400" dirty="0"/>
-              <a:t>✅ Submit via Google Drive link or Pen Drive</a:t>
-            </a:r>
-          </a:p>
-          <a:p>
-            <a:r>
-              <a:rPr sz="4400" dirty="0"/>
-              <a:t>✅ Deadline: End of today</a:t>
-            </a:r>
-          </a:p>
-        </p:txBody>
-      </p:sp>
-    </p:spTree>
-  </p:cSld>
-  <p:clrMapOvr>
-    <a:masterClrMapping/>
-  </p:clrMapOvr>
-</p:sld>
-</file>
-
-<file path=ppt/slides/slide6.xml><?xml version="1.0" encoding="utf-8"?>
-<p:sld xmlns:a="http://schemas.openxmlformats.org/drawingml/2006/main" xmlns:r="http://schemas.openxmlformats.org/officeDocument/2006/relationships" xmlns:p="http://schemas.openxmlformats.org/presentationml/2006/main">
-  <p:cSld>
-    <p:spTree>
-      <p:nvGrpSpPr>
-        <p:cNvPr id="1" name=""/>
-        <p:cNvGrpSpPr/>
-        <p:nvPr/>
-      </p:nvGrpSpPr>
-      <p:grpSpPr>
-        <a:xfrm>
-          <a:off x="0" y="0"/>
-          <a:ext cx="0" cy="0"/>
-          <a:chOff x="0" y="0"/>
-          <a:chExt cx="0" cy="0"/>
-        </a:xfrm>
-      </p:grpSpPr>
-      <p:sp>
-        <p:nvSpPr>
-          <p:cNvPr id="2" name="Title 1"/>
-          <p:cNvSpPr>
-            <a:spLocks noGrp="1"/>
-          </p:cNvSpPr>
-          <p:nvPr>
-            <p:ph type="title"/>
-          </p:nvPr>
-        </p:nvSpPr>
-        <p:spPr/>
-        <p:txBody>
-          <a:bodyPr/>
-          <a:lstStyle/>
-          <a:p>
-            <a:r>
-              <a:t>Class Discussion</a:t>
-            </a:r>
-          </a:p>
-        </p:txBody>
-      </p:sp>
-      <p:sp>
-        <p:nvSpPr>
-          <p:cNvPr id="3" name="Content Placeholder 2"/>
-          <p:cNvSpPr>
-            <a:spLocks noGrp="1"/>
-          </p:cNvSpPr>
-          <p:nvPr>
-            <p:ph idx="1"/>
-          </p:nvPr>
-        </p:nvSpPr>
-        <p:spPr/>
-        <p:txBody>
-          <a:bodyPr>
-            <a:normAutofit/>
-          </a:bodyPr>
-          <a:lstStyle/>
-          <a:p>
-            <a:r>
-              <a:rPr sz="4400" dirty="0"/>
-              <a:t>✅ Doubt Clearing Session</a:t>
-            </a:r>
-          </a:p>
-          <a:p>
-            <a:r>
-              <a:rPr sz="4400" dirty="0"/>
-              <a:t>✅ Discuss most useful topics</a:t>
-            </a:r>
-          </a:p>
-          <a:p>
-            <a:r>
-              <a:rPr sz="4400" dirty="0"/>
-              <a:t>✅ Feedback on workshop experience</a:t>
-            </a:r>
-          </a:p>
-        </p:txBody>
-      </p:sp>
-    </p:spTree>
-  </p:cSld>
-  <p:clrMapOvr>
-    <a:masterClrMapping/>
-  </p:clrMapOvr>
-</p:sld>
-</file>
-
-<file path=ppt/slides/slide7.xml><?xml version="1.0" encoding="utf-8"?>
-<p:sld xmlns:a="http://schemas.openxmlformats.org/drawingml/2006/main" xmlns:r="http://schemas.openxmlformats.org/officeDocument/2006/relationships" xmlns:p="http://schemas.openxmlformats.org/presentationml/2006/main">
-  <p:cSld>
-    <p:spTree>
-      <p:nvGrpSpPr>
-        <p:cNvPr id="1" name=""/>
-        <p:cNvGrpSpPr/>
-        <p:nvPr/>
-      </p:nvGrpSpPr>
-      <p:grpSpPr>
-        <a:xfrm>
-          <a:off x="0" y="0"/>
-          <a:ext cx="0" cy="0"/>
-          <a:chOff x="0" y="0"/>
-          <a:chExt cx="0" cy="0"/>
-        </a:xfrm>
-      </p:grpSpPr>
-      <p:sp>
-        <p:nvSpPr>
-          <p:cNvPr id="2" name="Title 1"/>
-          <p:cNvSpPr>
-            <a:spLocks noGrp="1"/>
-          </p:cNvSpPr>
-          <p:nvPr>
-            <p:ph type="title"/>
-          </p:nvPr>
-        </p:nvSpPr>
-        <p:spPr/>
-        <p:txBody>
-          <a:bodyPr/>
-          <a:lstStyle/>
-          <a:p>
-            <a:r>
-              <a:rPr b="1" dirty="0">
-                <a:latin typeface="Lucida Handwriting" panose="03010101010101010101" pitchFamily="66" charset="0"/>
-              </a:rPr>
-              <a:t>Certification Process</a:t>
-            </a:r>
-          </a:p>
-        </p:txBody>
-      </p:sp>
-      <p:sp>
-        <p:nvSpPr>
-          <p:cNvPr id="3" name="Content Placeholder 2"/>
-          <p:cNvSpPr>
-            <a:spLocks noGrp="1"/>
-          </p:cNvSpPr>
-          <p:nvPr>
-            <p:ph idx="1"/>
-          </p:nvPr>
-        </p:nvSpPr>
-        <p:spPr/>
-        <p:txBody>
-          <a:bodyPr>
-            <a:normAutofit/>
-          </a:bodyPr>
-          <a:lstStyle/>
-          <a:p>
-            <a:pPr marL="0" indent="0">
-              <a:buNone/>
-            </a:pPr>
-            <a:r>
-              <a:rPr lang="en-US" sz="4000" dirty="0"/>
-              <a:t>✅ Certificate will be awarded to students scoring </a:t>
-            </a:r>
-            <a:r>
-              <a:rPr lang="en-US" sz="4000" b="1" dirty="0"/>
-              <a:t>30 or more out of 50 marks</a:t>
-            </a:r>
-            <a:br>
-              <a:rPr lang="en-US" sz="4000" dirty="0"/>
-            </a:br>
-            <a:r>
-              <a:rPr lang="en-US" sz="4000" dirty="0"/>
-              <a:t>✅ </a:t>
-            </a:r>
-            <a:r>
-              <a:rPr lang="en-US" sz="4000" b="1" dirty="0"/>
-              <a:t>30-minute MCQ Test</a:t>
-            </a:r>
-            <a:r>
-              <a:rPr lang="en-US" sz="4000" dirty="0"/>
-              <a:t> will be conducted</a:t>
-            </a:r>
-            <a:br>
-              <a:rPr lang="en-US" sz="4000" dirty="0"/>
-            </a:br>
-            <a:r>
-              <a:rPr lang="en-US" sz="4000" dirty="0"/>
-              <a:t>✅ Certificate issued </a:t>
-            </a:r>
-            <a:r>
-              <a:rPr lang="en-US" sz="4000" b="1" dirty="0"/>
-              <a:t>only after successful test clearance.</a:t>
-            </a:r>
-            <a:endParaRPr sz="4000" dirty="0"/>
-          </a:p>
-        </p:txBody>
-      </p:sp>
-    </p:spTree>
-  </p:cSld>
-  <p:clrMapOvr>
-    <a:masterClrMapping/>
-  </p:clrMapOvr>
-</p:sld>
-</file>
-
-<file path=ppt/slides/slide8.xml><?xml version="1.0" encoding="utf-8"?>
-<p:sld xmlns:a="http://schemas.openxmlformats.org/drawingml/2006/main" xmlns:r="http://schemas.openxmlformats.org/officeDocument/2006/relationships" xmlns:p="http://schemas.openxmlformats.org/presentationml/2006/main">
-  <p:cSld>
-    <p:spTree>
-      <p:nvGrpSpPr>
-        <p:cNvPr id="1" name=""/>
-        <p:cNvGrpSpPr/>
-        <p:nvPr/>
-      </p:nvGrpSpPr>
-      <p:grpSpPr>
-        <a:xfrm>
-          <a:off x="0" y="0"/>
-          <a:ext cx="0" cy="0"/>
-          <a:chOff x="0" y="0"/>
-          <a:chExt cx="0" cy="0"/>
-        </a:xfrm>
-      </p:grpSpPr>
-      <p:sp>
-        <p:nvSpPr>
-          <p:cNvPr id="2" name="Title 1"/>
-          <p:cNvSpPr>
-            <a:spLocks noGrp="1"/>
-          </p:cNvSpPr>
-          <p:nvPr>
-            <p:ph type="title"/>
-          </p:nvPr>
-        </p:nvSpPr>
-        <p:spPr/>
-        <p:txBody>
-          <a:bodyPr/>
-          <a:lstStyle/>
-          <a:p>
-            <a:r>
-              <a:t>Congratulations &amp; Next Steps</a:t>
-            </a:r>
-          </a:p>
-        </p:txBody>
-      </p:sp>
-      <p:sp>
-        <p:nvSpPr>
-          <p:cNvPr id="3" name="Content Placeholder 2"/>
-          <p:cNvSpPr>
-            <a:spLocks noGrp="1"/>
-          </p:cNvSpPr>
-          <p:nvPr>
-            <p:ph idx="1"/>
-          </p:nvPr>
-        </p:nvSpPr>
-        <p:spPr/>
-        <p:txBody>
-          <a:bodyPr>
-            <a:normAutofit/>
-          </a:bodyPr>
-          <a:lstStyle/>
-          <a:p>
-            <a:r>
               <a:rPr sz="4000" dirty="0"/>
               <a:t>✅ You completed the 7-Day Workshop 🎉</a:t>
             </a:r>
@@ -6819,8 +7080,13 @@
           <a:p>
             <a:r>
               <a:rPr sz="4000" dirty="0"/>
-              <a:t>✅ Next options: Programming, Graphic Design, Web Dev</a:t>
-            </a:r>
+              <a:t>✅ Next options: Programming, Graphic Design, Web</a:t>
+            </a:r>
+            <a:r>
+              <a:rPr lang="en-US" sz="4000" dirty="0"/>
+              <a:t> development</a:t>
+            </a:r>
+            <a:endParaRPr sz="4000" dirty="0"/>
           </a:p>
           <a:p>
             <a:r>
@@ -7046,4 +7312,299 @@
     </a:ext>
   </a:extLst>
 </a:theme>
+</file>
+
+<file path=ppt/theme/theme2.xml><?xml version="1.0" encoding="utf-8"?>
+<a:theme xmlns:a="http://schemas.openxmlformats.org/drawingml/2006/main" name="Office Theme">
+  <a:themeElements>
+    <a:clrScheme name="Office">
+      <a:dk1>
+        <a:sysClr val="windowText" lastClr="000000"/>
+      </a:dk1>
+      <a:lt1>
+        <a:sysClr val="window" lastClr="FFFFFF"/>
+      </a:lt1>
+      <a:dk2>
+        <a:srgbClr val="44546A"/>
+      </a:dk2>
+      <a:lt2>
+        <a:srgbClr val="E7E6E6"/>
+      </a:lt2>
+      <a:accent1>
+        <a:srgbClr val="4472C4"/>
+      </a:accent1>
+      <a:accent2>
+        <a:srgbClr val="ED7D31"/>
+      </a:accent2>
+      <a:accent3>
+        <a:srgbClr val="A5A5A5"/>
+      </a:accent3>
+      <a:accent4>
+        <a:srgbClr val="FFC000"/>
+      </a:accent4>
+      <a:accent5>
+        <a:srgbClr val="5B9BD5"/>
+      </a:accent5>
+      <a:accent6>
+        <a:srgbClr val="70AD47"/>
+      </a:accent6>
+      <a:hlink>
+        <a:srgbClr val="0563C1"/>
+      </a:hlink>
+      <a:folHlink>
+        <a:srgbClr val="954F72"/>
+      </a:folHlink>
+    </a:clrScheme>
+    <a:fontScheme name="Office">
+      <a:majorFont>
+        <a:latin typeface="Calibri Light" panose="020F0302020204030204"/>
+        <a:ea typeface=""/>
+        <a:cs typeface=""/>
+        <a:font script="Jpan" typeface="游ゴシック Light"/>
+        <a:font script="Hang" typeface="맑은 고딕"/>
+        <a:font script="Hans" typeface="等线 Light"/>
+        <a:font script="Hant" typeface="新細明體"/>
+        <a:font script="Arab" typeface="Times New Roman"/>
+        <a:font script="Hebr" typeface="Times New Roman"/>
+        <a:font script="Thai" typeface="Angsana New"/>
+        <a:font script="Ethi" typeface="Nyala"/>
+        <a:font script="Beng" typeface="Vrinda"/>
+        <a:font script="Gujr" typeface="Shruti"/>
+        <a:font script="Khmr" typeface="MoolBoran"/>
+        <a:font script="Knda" typeface="Tunga"/>
+        <a:font script="Guru" typeface="Raavi"/>
+        <a:font script="Cans" typeface="Euphemia"/>
+        <a:font script="Cher" typeface="Plantagenet Cherokee"/>
+        <a:font script="Yiii" typeface="Microsoft Yi Baiti"/>
+        <a:font script="Tibt" typeface="Microsoft Himalaya"/>
+        <a:font script="Thaa" typeface="MV Boli"/>
+        <a:font script="Deva" typeface="Mangal"/>
+        <a:font script="Telu" typeface="Gautami"/>
+        <a:font script="Taml" typeface="Latha"/>
+        <a:font script="Syrc" typeface="Estrangelo Edessa"/>
+        <a:font script="Orya" typeface="Kalinga"/>
+        <a:font script="Mlym" typeface="Kartika"/>
+        <a:font script="Laoo" typeface="DokChampa"/>
+        <a:font script="Sinh" typeface="Iskoola Pota"/>
+        <a:font script="Mong" typeface="Mongolian Baiti"/>
+        <a:font script="Viet" typeface="Times New Roman"/>
+        <a:font script="Uigh" typeface="Microsoft Uighur"/>
+        <a:font script="Geor" typeface="Sylfaen"/>
+        <a:font script="Armn" typeface="Arial"/>
+        <a:font script="Bugi" typeface="Leelawadee UI"/>
+        <a:font script="Bopo" typeface="Microsoft JhengHei"/>
+        <a:font script="Java" typeface="Javanese Text"/>
+        <a:font script="Lisu" typeface="Segoe UI"/>
+        <a:font script="Mymr" typeface="Myanmar Text"/>
+        <a:font script="Nkoo" typeface="Ebrima"/>
+        <a:font script="Olck" typeface="Nirmala UI"/>
+        <a:font script="Osma" typeface="Ebrima"/>
+        <a:font script="Phag" typeface="Phagspa"/>
+        <a:font script="Syrn" typeface="Estrangelo Edessa"/>
+        <a:font script="Syrj" typeface="Estrangelo Edessa"/>
+        <a:font script="Syre" typeface="Estrangelo Edessa"/>
+        <a:font script="Sora" typeface="Nirmala UI"/>
+        <a:font script="Tale" typeface="Microsoft Tai Le"/>
+        <a:font script="Talu" typeface="Microsoft New Tai Lue"/>
+        <a:font script="Tfng" typeface="Ebrima"/>
+      </a:majorFont>
+      <a:minorFont>
+        <a:latin typeface="Calibri" panose="020F0502020204030204"/>
+        <a:ea typeface=""/>
+        <a:cs typeface=""/>
+        <a:font script="Jpan" typeface="游ゴシック"/>
+        <a:font script="Hang" typeface="맑은 고딕"/>
+        <a:font script="Hans" typeface="等线"/>
+        <a:font script="Hant" typeface="新細明體"/>
+        <a:font script="Arab" typeface="Arial"/>
+        <a:font script="Hebr" typeface="Arial"/>
+        <a:font script="Thai" typeface="Cordia New"/>
+        <a:font script="Ethi" typeface="Nyala"/>
+        <a:font script="Beng" typeface="Vrinda"/>
+        <a:font script="Gujr" typeface="Shruti"/>
+        <a:font script="Khmr" typeface="DaunPenh"/>
+        <a:font script="Knda" typeface="Tunga"/>
+        <a:font script="Guru" typeface="Raavi"/>
+        <a:font script="Cans" typeface="Euphemia"/>
+        <a:font script="Cher" typeface="Plantagenet Cherokee"/>
+        <a:font script="Yiii" typeface="Microsoft Yi Baiti"/>
+        <a:font script="Tibt" typeface="Microsoft Himalaya"/>
+        <a:font script="Thaa" typeface="MV Boli"/>
+        <a:font script="Deva" typeface="Mangal"/>
+        <a:font script="Telu" typeface="Gautami"/>
+        <a:font script="Taml" typeface="Latha"/>
+        <a:font script="Syrc" typeface="Estrangelo Edessa"/>
+        <a:font script="Orya" typeface="Kalinga"/>
+        <a:font script="Mlym" typeface="Kartika"/>
+        <a:font script="Laoo" typeface="DokChampa"/>
+        <a:font script="Sinh" typeface="Iskoola Pota"/>
+        <a:font script="Mong" typeface="Mongolian Baiti"/>
+        <a:font script="Viet" typeface="Arial"/>
+        <a:font script="Uigh" typeface="Microsoft Uighur"/>
+        <a:font script="Geor" typeface="Sylfaen"/>
+        <a:font script="Armn" typeface="Arial"/>
+        <a:font script="Bugi" typeface="Leelawadee UI"/>
+        <a:font script="Bopo" typeface="Microsoft JhengHei"/>
+        <a:font script="Java" typeface="Javanese Text"/>
+        <a:font script="Lisu" typeface="Segoe UI"/>
+        <a:font script="Mymr" typeface="Myanmar Text"/>
+        <a:font script="Nkoo" typeface="Ebrima"/>
+        <a:font script="Olck" typeface="Nirmala UI"/>
+        <a:font script="Osma" typeface="Ebrima"/>
+        <a:font script="Phag" typeface="Phagspa"/>
+        <a:font script="Syrn" typeface="Estrangelo Edessa"/>
+        <a:font script="Syrj" typeface="Estrangelo Edessa"/>
+        <a:font script="Syre" typeface="Estrangelo Edessa"/>
+        <a:font script="Sora" typeface="Nirmala UI"/>
+        <a:font script="Tale" typeface="Microsoft Tai Le"/>
+        <a:font script="Talu" typeface="Microsoft New Tai Lue"/>
+        <a:font script="Tfng" typeface="Ebrima"/>
+      </a:minorFont>
+    </a:fontScheme>
+    <a:fmtScheme name="Office">
+      <a:fillStyleLst>
+        <a:solidFill>
+          <a:schemeClr val="phClr"/>
+        </a:solidFill>
+        <a:gradFill rotWithShape="1">
+          <a:gsLst>
+            <a:gs pos="0">
+              <a:schemeClr val="phClr">
+                <a:lumMod val="110000"/>
+                <a:satMod val="105000"/>
+                <a:tint val="67000"/>
+              </a:schemeClr>
+            </a:gs>
+            <a:gs pos="50000">
+              <a:schemeClr val="phClr">
+                <a:lumMod val="105000"/>
+                <a:satMod val="103000"/>
+                <a:tint val="73000"/>
+              </a:schemeClr>
+            </a:gs>
+            <a:gs pos="100000">
+              <a:schemeClr val="phClr">
+                <a:lumMod val="105000"/>
+                <a:satMod val="109000"/>
+                <a:tint val="81000"/>
+              </a:schemeClr>
+            </a:gs>
+          </a:gsLst>
+          <a:lin ang="5400000" scaled="0"/>
+        </a:gradFill>
+        <a:gradFill rotWithShape="1">
+          <a:gsLst>
+            <a:gs pos="0">
+              <a:schemeClr val="phClr">
+                <a:satMod val="103000"/>
+                <a:lumMod val="102000"/>
+                <a:tint val="94000"/>
+              </a:schemeClr>
+            </a:gs>
+            <a:gs pos="50000">
+              <a:schemeClr val="phClr">
+                <a:satMod val="110000"/>
+                <a:lumMod val="100000"/>
+                <a:shade val="100000"/>
+              </a:schemeClr>
+            </a:gs>
+            <a:gs pos="100000">
+              <a:schemeClr val="phClr">
+                <a:lumMod val="99000"/>
+                <a:satMod val="120000"/>
+                <a:shade val="78000"/>
+              </a:schemeClr>
+            </a:gs>
+          </a:gsLst>
+          <a:lin ang="5400000" scaled="0"/>
+        </a:gradFill>
+      </a:fillStyleLst>
+      <a:lnStyleLst>
+        <a:ln w="6350" cap="flat" cmpd="sng" algn="ctr">
+          <a:solidFill>
+            <a:schemeClr val="phClr"/>
+          </a:solidFill>
+          <a:prstDash val="solid"/>
+          <a:miter lim="800000"/>
+        </a:ln>
+        <a:ln w="12700" cap="flat" cmpd="sng" algn="ctr">
+          <a:solidFill>
+            <a:schemeClr val="phClr"/>
+          </a:solidFill>
+          <a:prstDash val="solid"/>
+          <a:miter lim="800000"/>
+        </a:ln>
+        <a:ln w="19050" cap="flat" cmpd="sng" algn="ctr">
+          <a:solidFill>
+            <a:schemeClr val="phClr"/>
+          </a:solidFill>
+          <a:prstDash val="solid"/>
+          <a:miter lim="800000"/>
+        </a:ln>
+      </a:lnStyleLst>
+      <a:effectStyleLst>
+        <a:effectStyle>
+          <a:effectLst/>
+        </a:effectStyle>
+        <a:effectStyle>
+          <a:effectLst/>
+        </a:effectStyle>
+        <a:effectStyle>
+          <a:effectLst>
+            <a:outerShdw blurRad="57150" dist="19050" dir="5400000" algn="ctr" rotWithShape="0">
+              <a:srgbClr val="000000">
+                <a:alpha val="63000"/>
+              </a:srgbClr>
+            </a:outerShdw>
+          </a:effectLst>
+        </a:effectStyle>
+      </a:effectStyleLst>
+      <a:bgFillStyleLst>
+        <a:solidFill>
+          <a:schemeClr val="phClr"/>
+        </a:solidFill>
+        <a:solidFill>
+          <a:schemeClr val="phClr">
+            <a:tint val="95000"/>
+            <a:satMod val="170000"/>
+          </a:schemeClr>
+        </a:solidFill>
+        <a:gradFill rotWithShape="1">
+          <a:gsLst>
+            <a:gs pos="0">
+              <a:schemeClr val="phClr">
+                <a:tint val="93000"/>
+                <a:satMod val="150000"/>
+                <a:shade val="98000"/>
+                <a:lumMod val="102000"/>
+              </a:schemeClr>
+            </a:gs>
+            <a:gs pos="50000">
+              <a:schemeClr val="phClr">
+                <a:tint val="98000"/>
+                <a:satMod val="130000"/>
+                <a:shade val="90000"/>
+                <a:lumMod val="103000"/>
+              </a:schemeClr>
+            </a:gs>
+            <a:gs pos="100000">
+              <a:schemeClr val="phClr">
+                <a:shade val="63000"/>
+                <a:satMod val="120000"/>
+              </a:schemeClr>
+            </a:gs>
+          </a:gsLst>
+          <a:lin ang="5400000" scaled="0"/>
+        </a:gradFill>
+      </a:bgFillStyleLst>
+    </a:fmtScheme>
+  </a:themeElements>
+  <a:objectDefaults/>
+  <a:extraClrSchemeLst/>
+  <a:extLst>
+    <a:ext uri="{05A4C25C-085E-4340-85A3-A5531E510DB2}">
+      <thm15:themeFamily xmlns:thm15="http://schemas.microsoft.com/office/thememl/2012/main" name="Office Theme" id="{62F939B6-93AF-4DB8-9C6B-D6C7DFDC589F}" vid="{4A3C46E8-61CC-4603-A589-7422A47A8E4A}"/>
+    </a:ext>
+  </a:extLst>
+</a:theme>
 </file>